--- a/PHP Basics.pptx
+++ b/PHP Basics.pptx
@@ -51,13 +51,11 @@
     <p:sldId id="271" r:id="rId45"/>
     <p:sldId id="274" r:id="rId46"/>
     <p:sldId id="294" r:id="rId47"/>
-    <p:sldId id="275" r:id="rId48"/>
-    <p:sldId id="295" r:id="rId49"/>
-    <p:sldId id="276" r:id="rId50"/>
-    <p:sldId id="277" r:id="rId51"/>
-    <p:sldId id="278" r:id="rId52"/>
-    <p:sldId id="279" r:id="rId53"/>
-    <p:sldId id="280" r:id="rId54"/>
+    <p:sldId id="276" r:id="rId48"/>
+    <p:sldId id="277" r:id="rId49"/>
+    <p:sldId id="278" r:id="rId50"/>
+    <p:sldId id="279" r:id="rId51"/>
+    <p:sldId id="280" r:id="rId52"/>
   </p:sldIdLst>
   <p:sldSz cx="12192000" cy="6858000"/>
   <p:notesSz cx="6858000" cy="9144000"/>
@@ -311,7 +309,7 @@
           <a:p>
             <a:fld id="{A8E880B5-267B-4D76-B3D0-B16F3D4A0BE9}" type="datetimeFigureOut">
               <a:rPr lang="en-US" smtClean="0"/>
-              <a:t>10-Jan-26</a:t>
+              <a:t>17-Jan-26</a:t>
             </a:fld>
             <a:endParaRPr lang="en-US"/>
           </a:p>
@@ -509,7 +507,7 @@
           <a:p>
             <a:fld id="{A8E880B5-267B-4D76-B3D0-B16F3D4A0BE9}" type="datetimeFigureOut">
               <a:rPr lang="en-US" smtClean="0"/>
-              <a:t>10-Jan-26</a:t>
+              <a:t>17-Jan-26</a:t>
             </a:fld>
             <a:endParaRPr lang="en-US"/>
           </a:p>
@@ -717,7 +715,7 @@
           <a:p>
             <a:fld id="{A8E880B5-267B-4D76-B3D0-B16F3D4A0BE9}" type="datetimeFigureOut">
               <a:rPr lang="en-US" smtClean="0"/>
-              <a:t>10-Jan-26</a:t>
+              <a:t>17-Jan-26</a:t>
             </a:fld>
             <a:endParaRPr lang="en-US"/>
           </a:p>
@@ -915,7 +913,7 @@
           <a:p>
             <a:fld id="{A8E880B5-267B-4D76-B3D0-B16F3D4A0BE9}" type="datetimeFigureOut">
               <a:rPr lang="en-US" smtClean="0"/>
-              <a:t>10-Jan-26</a:t>
+              <a:t>17-Jan-26</a:t>
             </a:fld>
             <a:endParaRPr lang="en-US"/>
           </a:p>
@@ -1190,7 +1188,7 @@
           <a:p>
             <a:fld id="{A8E880B5-267B-4D76-B3D0-B16F3D4A0BE9}" type="datetimeFigureOut">
               <a:rPr lang="en-US" smtClean="0"/>
-              <a:t>10-Jan-26</a:t>
+              <a:t>17-Jan-26</a:t>
             </a:fld>
             <a:endParaRPr lang="en-US"/>
           </a:p>
@@ -1455,7 +1453,7 @@
           <a:p>
             <a:fld id="{A8E880B5-267B-4D76-B3D0-B16F3D4A0BE9}" type="datetimeFigureOut">
               <a:rPr lang="en-US" smtClean="0"/>
-              <a:t>10-Jan-26</a:t>
+              <a:t>17-Jan-26</a:t>
             </a:fld>
             <a:endParaRPr lang="en-US"/>
           </a:p>
@@ -1867,7 +1865,7 @@
           <a:p>
             <a:fld id="{A8E880B5-267B-4D76-B3D0-B16F3D4A0BE9}" type="datetimeFigureOut">
               <a:rPr lang="en-US" smtClean="0"/>
-              <a:t>10-Jan-26</a:t>
+              <a:t>17-Jan-26</a:t>
             </a:fld>
             <a:endParaRPr lang="en-US"/>
           </a:p>
@@ -2008,7 +2006,7 @@
           <a:p>
             <a:fld id="{A8E880B5-267B-4D76-B3D0-B16F3D4A0BE9}" type="datetimeFigureOut">
               <a:rPr lang="en-US" smtClean="0"/>
-              <a:t>10-Jan-26</a:t>
+              <a:t>17-Jan-26</a:t>
             </a:fld>
             <a:endParaRPr lang="en-US"/>
           </a:p>
@@ -2121,7 +2119,7 @@
           <a:p>
             <a:fld id="{A8E880B5-267B-4D76-B3D0-B16F3D4A0BE9}" type="datetimeFigureOut">
               <a:rPr lang="en-US" smtClean="0"/>
-              <a:t>10-Jan-26</a:t>
+              <a:t>17-Jan-26</a:t>
             </a:fld>
             <a:endParaRPr lang="en-US"/>
           </a:p>
@@ -2432,7 +2430,7 @@
           <a:p>
             <a:fld id="{A8E880B5-267B-4D76-B3D0-B16F3D4A0BE9}" type="datetimeFigureOut">
               <a:rPr lang="en-US" smtClean="0"/>
-              <a:t>10-Jan-26</a:t>
+              <a:t>17-Jan-26</a:t>
             </a:fld>
             <a:endParaRPr lang="en-US"/>
           </a:p>
@@ -2720,7 +2718,7 @@
           <a:p>
             <a:fld id="{A8E880B5-267B-4D76-B3D0-B16F3D4A0BE9}" type="datetimeFigureOut">
               <a:rPr lang="en-US" smtClean="0"/>
-              <a:t>10-Jan-26</a:t>
+              <a:t>17-Jan-26</a:t>
             </a:fld>
             <a:endParaRPr lang="en-US"/>
           </a:p>
@@ -2961,7 +2959,7 @@
           <a:p>
             <a:fld id="{A8E880B5-267B-4D76-B3D0-B16F3D4A0BE9}" type="datetimeFigureOut">
               <a:rPr lang="en-US" smtClean="0"/>
-              <a:t>10-Jan-26</a:t>
+              <a:t>17-Jan-26</a:t>
             </a:fld>
             <a:endParaRPr lang="en-US"/>
           </a:p>
@@ -15906,7 +15904,7 @@
         <p:cNvPr id="1" name="">
           <a:extLst>
             <a:ext uri="{FF2B5EF4-FFF2-40B4-BE49-F238E27FC236}">
-              <a16:creationId xmlns:a16="http://schemas.microsoft.com/office/drawing/2014/main" id="{2A387203-4979-974F-BD28-85FEB12F50E3}"/>
+              <a16:creationId xmlns:a16="http://schemas.microsoft.com/office/drawing/2014/main" id="{2822B848-5483-1AA3-73B9-81A3E81030DB}"/>
             </a:ext>
           </a:extLst>
         </p:cNvPr>
@@ -15926,7 +15924,7 @@
           <p:cNvPr id="2" name="Title 1">
             <a:extLst>
               <a:ext uri="{FF2B5EF4-FFF2-40B4-BE49-F238E27FC236}">
-                <a16:creationId xmlns:a16="http://schemas.microsoft.com/office/drawing/2014/main" id="{5E8CE871-946A-6B08-1515-E5CC9BDD2C42}"/>
+                <a16:creationId xmlns:a16="http://schemas.microsoft.com/office/drawing/2014/main" id="{52ED81BA-37BB-1EBE-00AC-A25C2FF34147}"/>
               </a:ext>
             </a:extLst>
           </p:cNvPr>
@@ -15939,15 +15937,14 @@
         </p:nvSpPr>
         <p:spPr/>
         <p:txBody>
-          <a:bodyPr>
-            <a:normAutofit/>
-          </a:bodyPr>
+          <a:bodyPr/>
           <a:lstStyle/>
           <a:p>
             <a:r>
-              <a:rPr lang="en-US" dirty="0"/>
-              <a:t>Handling Relationships (One-to-Many, Many-to-Many)</a:t>
-            </a:r>
+              <a:rPr lang="en-US" b="1" dirty="0"/>
+              <a:t>Advanced PHP Features</a:t>
+            </a:r>
+            <a:endParaRPr lang="en-US" dirty="0"/>
           </a:p>
         </p:txBody>
       </p:sp>
@@ -15956,7 +15953,7 @@
           <p:cNvPr id="3" name="Content Placeholder 2">
             <a:extLst>
               <a:ext uri="{FF2B5EF4-FFF2-40B4-BE49-F238E27FC236}">
-                <a16:creationId xmlns:a16="http://schemas.microsoft.com/office/drawing/2014/main" id="{152038C4-38FF-785B-3EAF-FE67F713D5E7}"/>
+                <a16:creationId xmlns:a16="http://schemas.microsoft.com/office/drawing/2014/main" id="{87E75114-2A09-1BA3-3538-CA73D71C8290}"/>
               </a:ext>
             </a:extLst>
           </p:cNvPr>
@@ -15969,150 +15966,54 @@
         </p:nvSpPr>
         <p:spPr/>
         <p:txBody>
-          <a:bodyPr>
-            <a:normAutofit fontScale="92500" lnSpcReduction="20000"/>
-          </a:bodyPr>
+          <a:bodyPr/>
           <a:lstStyle/>
           <a:p>
-            <a:pPr marL="0" indent="0">
-              <a:buNone/>
-            </a:pPr>
-            <a:r>
-              <a:rPr lang="en-US" b="1" dirty="0"/>
-              <a:t>Definition:</a:t>
-            </a:r>
-            <a:br>
-              <a:rPr lang="en-US" dirty="0"/>
-            </a:br>
-            <a:r>
-              <a:rPr lang="en-US" dirty="0"/>
-              <a:t>Database relationships define how </a:t>
-            </a:r>
-            <a:r>
-              <a:rPr lang="en-US" b="1" dirty="0"/>
-              <a:t>tables are connected</a:t>
-            </a:r>
-            <a:r>
-              <a:rPr lang="en-US" dirty="0"/>
-              <a:t> to each other in a relational database.</a:t>
-            </a:r>
-          </a:p>
-          <a:p>
-            <a:pPr marL="0" indent="0">
-              <a:buNone/>
-            </a:pPr>
-            <a:r>
-              <a:rPr lang="en-US" b="1" dirty="0"/>
-              <a:t>1. One-to-Many (1:N)</a:t>
-            </a:r>
-          </a:p>
-          <a:p>
-            <a:pPr marL="0" indent="0">
-              <a:buNone/>
-            </a:pPr>
-            <a:r>
-              <a:rPr lang="en-US" b="1" dirty="0"/>
-              <a:t>One record</a:t>
-            </a:r>
-            <a:r>
-              <a:rPr lang="en-US" dirty="0"/>
-              <a:t> in a table relates to </a:t>
-            </a:r>
-            <a:r>
-              <a:rPr lang="en-US" b="1" dirty="0"/>
-              <a:t>many records</a:t>
-            </a:r>
-            <a:r>
-              <a:rPr lang="en-US" dirty="0"/>
-              <a:t> in another table.</a:t>
-            </a:r>
-          </a:p>
-          <a:p>
-            <a:pPr marL="0" indent="0">
-              <a:buNone/>
-            </a:pPr>
-            <a:r>
-              <a:rPr lang="en-US" dirty="0"/>
-              <a:t>Example: </a:t>
-            </a:r>
-            <a:r>
-              <a:rPr lang="en-US" b="1" dirty="0"/>
-              <a:t>Category → Products</a:t>
-            </a:r>
-            <a:endParaRPr lang="en-US" dirty="0"/>
-          </a:p>
-          <a:p>
-            <a:pPr marL="0" indent="0">
-              <a:buNone/>
-            </a:pPr>
-            <a:r>
-              <a:rPr lang="en-US" b="1" dirty="0"/>
-              <a:t>Tables:</a:t>
-            </a:r>
-            <a:endParaRPr lang="en-US" dirty="0"/>
-          </a:p>
-          <a:p>
-            <a:pPr marL="0" indent="0">
-              <a:buNone/>
-            </a:pPr>
-            <a:r>
-              <a:rPr lang="en-US" dirty="0"/>
-              <a:t>categories → id, name</a:t>
-            </a:r>
-          </a:p>
-          <a:p>
-            <a:pPr marL="0" indent="0">
-              <a:buNone/>
-            </a:pPr>
-            <a:r>
-              <a:rPr lang="en-US" dirty="0"/>
-              <a:t>products → id, name, </a:t>
-            </a:r>
+            <a:r>
+              <a:rPr lang="en-US" dirty="0"/>
+              <a:t>Sessions and Cookies</a:t>
+            </a:r>
+          </a:p>
+          <a:p>
+            <a:r>
+              <a:rPr lang="en-US" dirty="0"/>
+              <a:t>Authentication and Authorization</a:t>
+            </a:r>
+          </a:p>
+          <a:p>
+            <a:r>
+              <a:rPr lang="en-US" dirty="0"/>
+              <a:t>File Uploads and Validation</a:t>
+            </a:r>
+          </a:p>
+          <a:p>
+            <a:r>
+              <a:rPr lang="en-US" dirty="0"/>
+              <a:t>Working with APIs (RESTful APIs, JSON, XML)</a:t>
+            </a:r>
+          </a:p>
+          <a:p>
             <a:r>
               <a:rPr lang="en-US" dirty="0" err="1"/>
-              <a:t>category_id</a:t>
-            </a:r>
-            <a:endParaRPr lang="en-US" dirty="0"/>
-          </a:p>
-          <a:p>
-            <a:pPr marL="0" indent="0">
-              <a:buNone/>
-            </a:pPr>
-            <a:r>
-              <a:rPr lang="en-US" b="1" dirty="0"/>
-              <a:t>Query Example (PDO):</a:t>
-            </a:r>
-            <a:endParaRPr lang="en-US" dirty="0"/>
-          </a:p>
-          <a:p>
-            <a:pPr marL="0" indent="0">
-              <a:buNone/>
-            </a:pPr>
-            <a:r>
-              <a:rPr lang="en-US" dirty="0"/>
-              <a:t>SELECT * FROM products WHERE </a:t>
-            </a:r>
-            <a:r>
-              <a:rPr lang="en-US" dirty="0" err="1"/>
-              <a:t>category_id</a:t>
-            </a:r>
-            <a:r>
-              <a:rPr lang="en-US" dirty="0"/>
-              <a:t> = 1;</a:t>
-            </a:r>
-          </a:p>
-          <a:p>
-            <a:pPr marL="0" indent="0">
-              <a:buNone/>
-            </a:pPr>
-            <a:endParaRPr lang="en-US" dirty="0"/>
+              <a:t>cURL</a:t>
+            </a:r>
+            <a:r>
+              <a:rPr lang="en-US" dirty="0"/>
+              <a:t> for HTTP Requests</a:t>
+            </a:r>
+          </a:p>
+          <a:p>
+            <a:r>
+              <a:rPr lang="en-US" dirty="0"/>
+              <a:t>PHP Streams and File System Functions</a:t>
+            </a:r>
           </a:p>
         </p:txBody>
       </p:sp>
     </p:spTree>
     <p:extLst>
       <p:ext uri="{BB962C8B-B14F-4D97-AF65-F5344CB8AC3E}">
-        <p14:creationId xmlns:p14="http://schemas.microsoft.com/office/powerpoint/2010/main" val="1287932895"/>
+        <p14:creationId xmlns:p14="http://schemas.microsoft.com/office/powerpoint/2010/main" val="2802740254"/>
       </p:ext>
     </p:extLst>
   </p:cSld>
@@ -16138,7 +16039,7 @@
         <p:cNvPr id="1" name="">
           <a:extLst>
             <a:ext uri="{FF2B5EF4-FFF2-40B4-BE49-F238E27FC236}">
-              <a16:creationId xmlns:a16="http://schemas.microsoft.com/office/drawing/2014/main" id="{999E64F0-F94E-BA3A-8E72-9836806375CD}"/>
+              <a16:creationId xmlns:a16="http://schemas.microsoft.com/office/drawing/2014/main" id="{36299C3F-DF7E-E146-D928-B59662993E57}"/>
             </a:ext>
           </a:extLst>
         </p:cNvPr>
@@ -16158,7 +16059,7 @@
           <p:cNvPr id="2" name="Title 1">
             <a:extLst>
               <a:ext uri="{FF2B5EF4-FFF2-40B4-BE49-F238E27FC236}">
-                <a16:creationId xmlns:a16="http://schemas.microsoft.com/office/drawing/2014/main" id="{79FF0578-2195-272D-3A97-49D543F1BE4A}"/>
+                <a16:creationId xmlns:a16="http://schemas.microsoft.com/office/drawing/2014/main" id="{D4EA2E8C-675F-6FFD-8361-44A8ED9C305A}"/>
               </a:ext>
             </a:extLst>
           </p:cNvPr>
@@ -16171,15 +16072,14 @@
         </p:nvSpPr>
         <p:spPr/>
         <p:txBody>
-          <a:bodyPr>
-            <a:normAutofit/>
-          </a:bodyPr>
+          <a:bodyPr/>
           <a:lstStyle/>
           <a:p>
             <a:r>
-              <a:rPr lang="en-US" dirty="0"/>
-              <a:t>Handling Relationships</a:t>
-            </a:r>
+              <a:rPr lang="en-US" b="1" dirty="0"/>
+              <a:t>PHP Frameworks and Libraries</a:t>
+            </a:r>
+            <a:endParaRPr lang="en-US" dirty="0"/>
           </a:p>
         </p:txBody>
       </p:sp>
@@ -16188,7 +16088,7 @@
           <p:cNvPr id="3" name="Content Placeholder 2">
             <a:extLst>
               <a:ext uri="{FF2B5EF4-FFF2-40B4-BE49-F238E27FC236}">
-                <a16:creationId xmlns:a16="http://schemas.microsoft.com/office/drawing/2014/main" id="{5F3B5C7A-927E-C043-9EB1-A03A35D57981}"/>
+                <a16:creationId xmlns:a16="http://schemas.microsoft.com/office/drawing/2014/main" id="{DF5D66FC-8818-FA15-F8CC-5903A76D66DA}"/>
               </a:ext>
             </a:extLst>
           </p:cNvPr>
@@ -16201,65 +16101,46 @@
         </p:nvSpPr>
         <p:spPr/>
         <p:txBody>
-          <a:bodyPr>
-            <a:normAutofit/>
-          </a:bodyPr>
+          <a:bodyPr/>
           <a:lstStyle/>
           <a:p>
             <a:r>
-              <a:rPr lang="en-US" b="1" dirty="0"/>
-              <a:t>2. Many-to-Many (M:N)</a:t>
-            </a:r>
-          </a:p>
-          <a:p>
-            <a:r>
-              <a:rPr lang="en-US" b="1" dirty="0"/>
-              <a:t>Many records</a:t>
-            </a:r>
-            <a:r>
-              <a:rPr lang="en-US" dirty="0"/>
-              <a:t> in a table relate to </a:t>
-            </a:r>
-            <a:r>
-              <a:rPr lang="en-US" b="1" dirty="0"/>
-              <a:t>many records</a:t>
-            </a:r>
-            <a:r>
-              <a:rPr lang="en-US" dirty="0"/>
-              <a:t> in another table.</a:t>
-            </a:r>
-          </a:p>
-          <a:p>
-            <a:r>
-              <a:rPr lang="en-US" dirty="0"/>
-              <a:t>Requires a </a:t>
-            </a:r>
-            <a:r>
-              <a:rPr lang="en-US" b="1" dirty="0"/>
-              <a:t>junction table</a:t>
-            </a:r>
-            <a:r>
-              <a:rPr lang="en-US" dirty="0"/>
-              <a:t>.</a:t>
-            </a:r>
-          </a:p>
-          <a:p>
-            <a:r>
-              <a:rPr lang="en-US" dirty="0"/>
-              <a:t>Example: </a:t>
-            </a:r>
-            <a:r>
-              <a:rPr lang="en-US" b="1" dirty="0"/>
-              <a:t>Students ↔ Courses</a:t>
-            </a:r>
-            <a:endParaRPr lang="en-US" dirty="0"/>
+              <a:rPr lang="en-US" dirty="0"/>
+              <a:t>Introduction to Popular Frameworks (Laravel, Symfony, CodeIgniter)</a:t>
+            </a:r>
+          </a:p>
+          <a:p>
+            <a:r>
+              <a:rPr lang="en-US" dirty="0"/>
+              <a:t>MVC Architecture</a:t>
+            </a:r>
+          </a:p>
+          <a:p>
+            <a:r>
+              <a:rPr lang="en-US" dirty="0"/>
+              <a:t>Composer for Dependency Management</a:t>
+            </a:r>
+          </a:p>
+          <a:p>
+            <a:r>
+              <a:rPr lang="en-US" dirty="0"/>
+              <a:t>Using Libraries (e.g., Guzzle, </a:t>
+            </a:r>
+            <a:r>
+              <a:rPr lang="en-US" dirty="0" err="1"/>
+              <a:t>PHPMailer</a:t>
+            </a:r>
+            <a:r>
+              <a:rPr lang="en-US" dirty="0"/>
+              <a:t>)</a:t>
+            </a:r>
           </a:p>
         </p:txBody>
       </p:sp>
     </p:spTree>
     <p:extLst>
       <p:ext uri="{BB962C8B-B14F-4D97-AF65-F5344CB8AC3E}">
-        <p14:creationId xmlns:p14="http://schemas.microsoft.com/office/powerpoint/2010/main" val="340323127"/>
+        <p14:creationId xmlns:p14="http://schemas.microsoft.com/office/powerpoint/2010/main" val="785425443"/>
       </p:ext>
     </p:extLst>
   </p:cSld>
@@ -16285,7 +16166,7 @@
         <p:cNvPr id="1" name="">
           <a:extLst>
             <a:ext uri="{FF2B5EF4-FFF2-40B4-BE49-F238E27FC236}">
-              <a16:creationId xmlns:a16="http://schemas.microsoft.com/office/drawing/2014/main" id="{2822B848-5483-1AA3-73B9-81A3E81030DB}"/>
+              <a16:creationId xmlns:a16="http://schemas.microsoft.com/office/drawing/2014/main" id="{0EE07362-9292-3E4A-48E3-EFCC0DF77AC4}"/>
             </a:ext>
           </a:extLst>
         </p:cNvPr>
@@ -16305,7 +16186,7 @@
           <p:cNvPr id="2" name="Title 1">
             <a:extLst>
               <a:ext uri="{FF2B5EF4-FFF2-40B4-BE49-F238E27FC236}">
-                <a16:creationId xmlns:a16="http://schemas.microsoft.com/office/drawing/2014/main" id="{52ED81BA-37BB-1EBE-00AC-A25C2FF34147}"/>
+                <a16:creationId xmlns:a16="http://schemas.microsoft.com/office/drawing/2014/main" id="{6EA7C162-A175-7B5C-70B2-D8ED989A0D31}"/>
               </a:ext>
             </a:extLst>
           </p:cNvPr>
@@ -16323,7 +16204,7 @@
           <a:p>
             <a:r>
               <a:rPr lang="en-US" b="1" dirty="0"/>
-              <a:t>Advanced PHP Features</a:t>
+              <a:t>Web Development with PHP</a:t>
             </a:r>
             <a:endParaRPr lang="en-US" dirty="0"/>
           </a:p>
@@ -16334,7 +16215,7 @@
           <p:cNvPr id="3" name="Content Placeholder 2">
             <a:extLst>
               <a:ext uri="{FF2B5EF4-FFF2-40B4-BE49-F238E27FC236}">
-                <a16:creationId xmlns:a16="http://schemas.microsoft.com/office/drawing/2014/main" id="{87E75114-2A09-1BA3-3538-CA73D71C8290}"/>
+                <a16:creationId xmlns:a16="http://schemas.microsoft.com/office/drawing/2014/main" id="{DF672F31-12EE-8548-FBE4-ACA3010D677F}"/>
               </a:ext>
             </a:extLst>
           </p:cNvPr>
@@ -16352,49 +16233,45 @@
           <a:p>
             <a:r>
               <a:rPr lang="en-US" dirty="0"/>
-              <a:t>Sessions and Cookies</a:t>
-            </a:r>
-          </a:p>
-          <a:p>
-            <a:r>
-              <a:rPr lang="en-US" dirty="0"/>
-              <a:t>Authentication and Authorization</a:t>
-            </a:r>
-          </a:p>
-          <a:p>
-            <a:r>
-              <a:rPr lang="en-US" dirty="0"/>
-              <a:t>File Uploads and Validation</a:t>
-            </a:r>
-          </a:p>
-          <a:p>
-            <a:r>
-              <a:rPr lang="en-US" dirty="0"/>
-              <a:t>Working with APIs (RESTful APIs, JSON, XML)</a:t>
-            </a:r>
-          </a:p>
-          <a:p>
-            <a:r>
-              <a:rPr lang="en-US" dirty="0" err="1"/>
-              <a:t>cURL</a:t>
-            </a:r>
-            <a:r>
-              <a:rPr lang="en-US" dirty="0"/>
-              <a:t> for HTTP Requests</a:t>
-            </a:r>
-          </a:p>
-          <a:p>
-            <a:r>
-              <a:rPr lang="en-US" dirty="0"/>
-              <a:t>PHP Streams and File System Functions</a:t>
-            </a:r>
+              <a:t>Form Handling and Validation</a:t>
+            </a:r>
+          </a:p>
+          <a:p>
+            <a:r>
+              <a:rPr lang="en-US" dirty="0"/>
+              <a:t>Working with HTML, CSS, and JavaScript</a:t>
+            </a:r>
+          </a:p>
+          <a:p>
+            <a:r>
+              <a:rPr lang="en-US" dirty="0"/>
+              <a:t>AJAX and PHP Integration</a:t>
+            </a:r>
+          </a:p>
+          <a:p>
+            <a:r>
+              <a:rPr lang="en-US" dirty="0"/>
+              <a:t>Building Dynamic Web Pages</a:t>
+            </a:r>
+          </a:p>
+          <a:p>
+            <a:r>
+              <a:rPr lang="en-US" dirty="0"/>
+              <a:t>Template Engines (e.g., Blade, Twig)</a:t>
+            </a:r>
+          </a:p>
+          <a:p>
+            <a:pPr marL="0" indent="0">
+              <a:buNone/>
+            </a:pPr>
+            <a:endParaRPr lang="en-US" dirty="0"/>
           </a:p>
         </p:txBody>
       </p:sp>
     </p:spTree>
     <p:extLst>
       <p:ext uri="{BB962C8B-B14F-4D97-AF65-F5344CB8AC3E}">
-        <p14:creationId xmlns:p14="http://schemas.microsoft.com/office/powerpoint/2010/main" val="2802740254"/>
+        <p14:creationId xmlns:p14="http://schemas.microsoft.com/office/powerpoint/2010/main" val="2258104103"/>
       </p:ext>
     </p:extLst>
   </p:cSld>
@@ -16550,264 +16427,6 @@
         <p:cNvPr id="1" name="">
           <a:extLst>
             <a:ext uri="{FF2B5EF4-FFF2-40B4-BE49-F238E27FC236}">
-              <a16:creationId xmlns:a16="http://schemas.microsoft.com/office/drawing/2014/main" id="{36299C3F-DF7E-E146-D928-B59662993E57}"/>
-            </a:ext>
-          </a:extLst>
-        </p:cNvPr>
-        <p:cNvGrpSpPr/>
-        <p:nvPr/>
-      </p:nvGrpSpPr>
-      <p:grpSpPr>
-        <a:xfrm>
-          <a:off x="0" y="0"/>
-          <a:ext cx="0" cy="0"/>
-          <a:chOff x="0" y="0"/>
-          <a:chExt cx="0" cy="0"/>
-        </a:xfrm>
-      </p:grpSpPr>
-      <p:sp>
-        <p:nvSpPr>
-          <p:cNvPr id="2" name="Title 1">
-            <a:extLst>
-              <a:ext uri="{FF2B5EF4-FFF2-40B4-BE49-F238E27FC236}">
-                <a16:creationId xmlns:a16="http://schemas.microsoft.com/office/drawing/2014/main" id="{D4EA2E8C-675F-6FFD-8361-44A8ED9C305A}"/>
-              </a:ext>
-            </a:extLst>
-          </p:cNvPr>
-          <p:cNvSpPr>
-            <a:spLocks noGrp="1"/>
-          </p:cNvSpPr>
-          <p:nvPr>
-            <p:ph type="title"/>
-          </p:nvPr>
-        </p:nvSpPr>
-        <p:spPr/>
-        <p:txBody>
-          <a:bodyPr/>
-          <a:lstStyle/>
-          <a:p>
-            <a:r>
-              <a:rPr lang="en-US" b="1" dirty="0"/>
-              <a:t>PHP Frameworks and Libraries</a:t>
-            </a:r>
-            <a:endParaRPr lang="en-US" dirty="0"/>
-          </a:p>
-        </p:txBody>
-      </p:sp>
-      <p:sp>
-        <p:nvSpPr>
-          <p:cNvPr id="3" name="Content Placeholder 2">
-            <a:extLst>
-              <a:ext uri="{FF2B5EF4-FFF2-40B4-BE49-F238E27FC236}">
-                <a16:creationId xmlns:a16="http://schemas.microsoft.com/office/drawing/2014/main" id="{DF5D66FC-8818-FA15-F8CC-5903A76D66DA}"/>
-              </a:ext>
-            </a:extLst>
-          </p:cNvPr>
-          <p:cNvSpPr>
-            <a:spLocks noGrp="1"/>
-          </p:cNvSpPr>
-          <p:nvPr>
-            <p:ph idx="1"/>
-          </p:nvPr>
-        </p:nvSpPr>
-        <p:spPr/>
-        <p:txBody>
-          <a:bodyPr/>
-          <a:lstStyle/>
-          <a:p>
-            <a:r>
-              <a:rPr lang="en-US" dirty="0"/>
-              <a:t>Introduction to Popular Frameworks (Laravel, Symfony, CodeIgniter)</a:t>
-            </a:r>
-          </a:p>
-          <a:p>
-            <a:r>
-              <a:rPr lang="en-US" dirty="0"/>
-              <a:t>MVC Architecture</a:t>
-            </a:r>
-          </a:p>
-          <a:p>
-            <a:r>
-              <a:rPr lang="en-US" dirty="0"/>
-              <a:t>Composer for Dependency Management</a:t>
-            </a:r>
-          </a:p>
-          <a:p>
-            <a:r>
-              <a:rPr lang="en-US" dirty="0"/>
-              <a:t>Using Libraries (e.g., Guzzle, </a:t>
-            </a:r>
-            <a:r>
-              <a:rPr lang="en-US" dirty="0" err="1"/>
-              <a:t>PHPMailer</a:t>
-            </a:r>
-            <a:r>
-              <a:rPr lang="en-US" dirty="0"/>
-              <a:t>)</a:t>
-            </a:r>
-          </a:p>
-        </p:txBody>
-      </p:sp>
-    </p:spTree>
-    <p:extLst>
-      <p:ext uri="{BB962C8B-B14F-4D97-AF65-F5344CB8AC3E}">
-        <p14:creationId xmlns:p14="http://schemas.microsoft.com/office/powerpoint/2010/main" val="785425443"/>
-      </p:ext>
-    </p:extLst>
-  </p:cSld>
-  <p:clrMapOvr>
-    <a:masterClrMapping/>
-  </p:clrMapOvr>
-</p:sld>
-</file>
-
-<file path=ppt/slides/slide51.xml><?xml version="1.0" encoding="utf-8"?>
-<p:sld xmlns:a="http://schemas.openxmlformats.org/drawingml/2006/main" xmlns:r="http://schemas.openxmlformats.org/officeDocument/2006/relationships" xmlns:p="http://schemas.openxmlformats.org/presentationml/2006/main">
-  <p:cSld>
-    <p:bg>
-      <p:bgPr>
-        <a:solidFill>
-          <a:schemeClr val="bg1"/>
-        </a:solidFill>
-        <a:effectLst/>
-      </p:bgPr>
-    </p:bg>
-    <p:spTree>
-      <p:nvGrpSpPr>
-        <p:cNvPr id="1" name="">
-          <a:extLst>
-            <a:ext uri="{FF2B5EF4-FFF2-40B4-BE49-F238E27FC236}">
-              <a16:creationId xmlns:a16="http://schemas.microsoft.com/office/drawing/2014/main" id="{0EE07362-9292-3E4A-48E3-EFCC0DF77AC4}"/>
-            </a:ext>
-          </a:extLst>
-        </p:cNvPr>
-        <p:cNvGrpSpPr/>
-        <p:nvPr/>
-      </p:nvGrpSpPr>
-      <p:grpSpPr>
-        <a:xfrm>
-          <a:off x="0" y="0"/>
-          <a:ext cx="0" cy="0"/>
-          <a:chOff x="0" y="0"/>
-          <a:chExt cx="0" cy="0"/>
-        </a:xfrm>
-      </p:grpSpPr>
-      <p:sp>
-        <p:nvSpPr>
-          <p:cNvPr id="2" name="Title 1">
-            <a:extLst>
-              <a:ext uri="{FF2B5EF4-FFF2-40B4-BE49-F238E27FC236}">
-                <a16:creationId xmlns:a16="http://schemas.microsoft.com/office/drawing/2014/main" id="{6EA7C162-A175-7B5C-70B2-D8ED989A0D31}"/>
-              </a:ext>
-            </a:extLst>
-          </p:cNvPr>
-          <p:cNvSpPr>
-            <a:spLocks noGrp="1"/>
-          </p:cNvSpPr>
-          <p:nvPr>
-            <p:ph type="title"/>
-          </p:nvPr>
-        </p:nvSpPr>
-        <p:spPr/>
-        <p:txBody>
-          <a:bodyPr/>
-          <a:lstStyle/>
-          <a:p>
-            <a:r>
-              <a:rPr lang="en-US" b="1" dirty="0"/>
-              <a:t>Web Development with PHP</a:t>
-            </a:r>
-            <a:endParaRPr lang="en-US" dirty="0"/>
-          </a:p>
-        </p:txBody>
-      </p:sp>
-      <p:sp>
-        <p:nvSpPr>
-          <p:cNvPr id="3" name="Content Placeholder 2">
-            <a:extLst>
-              <a:ext uri="{FF2B5EF4-FFF2-40B4-BE49-F238E27FC236}">
-                <a16:creationId xmlns:a16="http://schemas.microsoft.com/office/drawing/2014/main" id="{DF672F31-12EE-8548-FBE4-ACA3010D677F}"/>
-              </a:ext>
-            </a:extLst>
-          </p:cNvPr>
-          <p:cNvSpPr>
-            <a:spLocks noGrp="1"/>
-          </p:cNvSpPr>
-          <p:nvPr>
-            <p:ph idx="1"/>
-          </p:nvPr>
-        </p:nvSpPr>
-        <p:spPr/>
-        <p:txBody>
-          <a:bodyPr/>
-          <a:lstStyle/>
-          <a:p>
-            <a:r>
-              <a:rPr lang="en-US" dirty="0"/>
-              <a:t>Form Handling and Validation</a:t>
-            </a:r>
-          </a:p>
-          <a:p>
-            <a:r>
-              <a:rPr lang="en-US" dirty="0"/>
-              <a:t>Working with HTML, CSS, and JavaScript</a:t>
-            </a:r>
-          </a:p>
-          <a:p>
-            <a:r>
-              <a:rPr lang="en-US" dirty="0"/>
-              <a:t>AJAX and PHP Integration</a:t>
-            </a:r>
-          </a:p>
-          <a:p>
-            <a:r>
-              <a:rPr lang="en-US" dirty="0"/>
-              <a:t>Building Dynamic Web Pages</a:t>
-            </a:r>
-          </a:p>
-          <a:p>
-            <a:r>
-              <a:rPr lang="en-US" dirty="0"/>
-              <a:t>Template Engines (e.g., Blade, Twig)</a:t>
-            </a:r>
-          </a:p>
-          <a:p>
-            <a:pPr marL="0" indent="0">
-              <a:buNone/>
-            </a:pPr>
-            <a:endParaRPr lang="en-US" dirty="0"/>
-          </a:p>
-        </p:txBody>
-      </p:sp>
-    </p:spTree>
-    <p:extLst>
-      <p:ext uri="{BB962C8B-B14F-4D97-AF65-F5344CB8AC3E}">
-        <p14:creationId xmlns:p14="http://schemas.microsoft.com/office/powerpoint/2010/main" val="2258104103"/>
-      </p:ext>
-    </p:extLst>
-  </p:cSld>
-  <p:clrMapOvr>
-    <a:masterClrMapping/>
-  </p:clrMapOvr>
-</p:sld>
-</file>
-
-<file path=ppt/slides/slide52.xml><?xml version="1.0" encoding="utf-8"?>
-<p:sld xmlns:a="http://schemas.openxmlformats.org/drawingml/2006/main" xmlns:r="http://schemas.openxmlformats.org/officeDocument/2006/relationships" xmlns:p="http://schemas.openxmlformats.org/presentationml/2006/main">
-  <p:cSld>
-    <p:bg>
-      <p:bgPr>
-        <a:solidFill>
-          <a:schemeClr val="bg1"/>
-        </a:solidFill>
-        <a:effectLst/>
-      </p:bgPr>
-    </p:bg>
-    <p:spTree>
-      <p:nvGrpSpPr>
-        <p:cNvPr id="1" name="">
-          <a:extLst>
-            <a:ext uri="{FF2B5EF4-FFF2-40B4-BE49-F238E27FC236}">
               <a16:creationId xmlns:a16="http://schemas.microsoft.com/office/drawing/2014/main" id="{890DA7F0-12A9-A82C-E583-29532D11C3E3}"/>
             </a:ext>
           </a:extLst>
@@ -16923,7 +16542,7 @@
 </p:sld>
 </file>
 
-<file path=ppt/slides/slide53.xml><?xml version="1.0" encoding="utf-8"?>
+<file path=ppt/slides/slide51.xml><?xml version="1.0" encoding="utf-8"?>
 <p:sld xmlns:a="http://schemas.openxmlformats.org/drawingml/2006/main" xmlns:r="http://schemas.openxmlformats.org/officeDocument/2006/relationships" xmlns:p="http://schemas.openxmlformats.org/presentationml/2006/main">
   <p:cSld>
     <p:bg>
